--- a/0 발표용 파워포인트/0501 5차발표/0501 project05 - 파워포인트 - 형준.pptx
+++ b/0 발표용 파워포인트/0501 5차발표/0501 project05 - 파워포인트 - 형준.pptx
@@ -5,10 +5,12 @@
     <p:sldMasterId id="2147483648" r:id="rId1"/>
   </p:sldMasterIdLst>
   <p:notesMasterIdLst>
-    <p:notesMasterId r:id="rId3"/>
+    <p:notesMasterId r:id="rId5"/>
   </p:notesMasterIdLst>
   <p:sldIdLst>
     <p:sldId id="256" r:id="rId2"/>
+    <p:sldId id="257" r:id="rId3"/>
+    <p:sldId id="258" r:id="rId4"/>
   </p:sldIdLst>
   <p:sldSz cx="12192000" cy="6858000"/>
   <p:notesSz cx="6858000" cy="9144000"/>
@@ -109,7 +111,7 @@
   </p:defaultTextStyle>
   <p:extLst>
     <p:ext uri="{EFAFB233-063F-42B5-8137-9DF3F51BA10A}">
-      <p15:sldGuideLst xmlns:p15="http://schemas.microsoft.com/office/powerpoint/2012/main">
+      <p15:sldGuideLst xmlns:p15="http://schemas.microsoft.com/office/powerpoint/2012/main" xmlns="">
         <p15:guide id="1" orient="horz" pos="2160">
           <p15:clr>
             <a:srgbClr val="A4A3A4"/>
@@ -209,7 +211,7 @@
             <a:fld id="{EFE7F2A0-C7D9-4DBD-AE3B-C1A712DCE501}" type="datetimeFigureOut">
               <a:rPr lang="ko-KR" altLang="en-US" smtClean="0"/>
               <a:pPr/>
-              <a:t>2020-03-28</a:t>
+              <a:t>2020-04-27</a:t>
             </a:fld>
             <a:endParaRPr lang="ko-KR" altLang="en-US"/>
           </a:p>
@@ -478,6 +480,260 @@
 </p:notesMaster>
 </file>
 
+<file path=ppt/notesSlides/notesSlide1.xml><?xml version="1.0" encoding="utf-8"?>
+<p:notes xmlns:a="http://schemas.openxmlformats.org/drawingml/2006/main" xmlns:r="http://schemas.openxmlformats.org/officeDocument/2006/relationships" xmlns:p="http://schemas.openxmlformats.org/presentationml/2006/main" showMasterSp="0" showMasterPhAnim="0">
+  <p:cSld>
+    <p:spTree>
+      <p:nvGrpSpPr>
+        <p:cNvPr id="1" name="Shape 87"/>
+        <p:cNvGrpSpPr/>
+        <p:nvPr/>
+      </p:nvGrpSpPr>
+      <p:grpSpPr>
+        <a:xfrm>
+          <a:off x="0" y="0"/>
+          <a:ext cx="0" cy="0"/>
+          <a:chOff x="0" y="0"/>
+          <a:chExt cx="0" cy="0"/>
+        </a:xfrm>
+      </p:grpSpPr>
+      <p:sp>
+        <p:nvSpPr>
+          <p:cNvPr id="88" name="Google Shape;88;g7c553259d1_0_3:notes"/>
+          <p:cNvSpPr txBox="1">
+            <a:spLocks noGrp="1"/>
+          </p:cNvSpPr>
+          <p:nvPr>
+            <p:ph type="body" idx="1"/>
+          </p:nvPr>
+        </p:nvSpPr>
+        <p:spPr>
+          <a:xfrm>
+            <a:off x="685800" y="4343400"/>
+            <a:ext cx="5486400" cy="4114800"/>
+          </a:xfrm>
+          <a:prstGeom prst="rect">
+            <a:avLst/>
+          </a:prstGeom>
+          <a:noFill/>
+          <a:ln>
+            <a:noFill/>
+          </a:ln>
+        </p:spPr>
+        <p:txBody>
+          <a:bodyPr spcFirstLastPara="1" wrap="square" lIns="91425" tIns="91425" rIns="91425" bIns="91425" anchor="t" anchorCtr="0">
+            <a:noAutofit/>
+          </a:bodyPr>
+          <a:lstStyle/>
+          <a:p>
+            <a:pPr marL="0" lvl="0" indent="0" algn="l" rtl="0">
+              <a:lnSpc>
+                <a:spcPct val="100000"/>
+              </a:lnSpc>
+              <a:spcBef>
+                <a:spcPts val="0"/>
+              </a:spcBef>
+              <a:spcAft>
+                <a:spcPts val="0"/>
+              </a:spcAft>
+              <a:buSzPts val="1100"/>
+              <a:buNone/>
+            </a:pPr>
+            <a:endParaRPr/>
+          </a:p>
+        </p:txBody>
+      </p:sp>
+      <p:sp>
+        <p:nvSpPr>
+          <p:cNvPr id="89" name="Google Shape;89;g7c553259d1_0_3:notes"/>
+          <p:cNvSpPr>
+            <a:spLocks noGrp="1" noRot="1" noChangeAspect="1"/>
+          </p:cNvSpPr>
+          <p:nvPr>
+            <p:ph type="sldImg" idx="2"/>
+          </p:nvPr>
+        </p:nvSpPr>
+        <p:spPr>
+          <a:xfrm>
+            <a:off x="382588" y="685800"/>
+            <a:ext cx="6094412" cy="3429000"/>
+          </a:xfrm>
+          <a:custGeom>
+            <a:avLst/>
+            <a:gdLst/>
+            <a:ahLst/>
+            <a:cxnLst/>
+            <a:rect l="l" t="t" r="r" b="b"/>
+            <a:pathLst>
+              <a:path w="120000" h="120000" extrusionOk="0">
+                <a:moveTo>
+                  <a:pt x="0" y="0"/>
+                </a:moveTo>
+                <a:lnTo>
+                  <a:pt x="120000" y="0"/>
+                </a:lnTo>
+                <a:lnTo>
+                  <a:pt x="120000" y="120000"/>
+                </a:lnTo>
+                <a:lnTo>
+                  <a:pt x="0" y="120000"/>
+                </a:lnTo>
+                <a:close/>
+              </a:path>
+            </a:pathLst>
+          </a:custGeom>
+          <a:noFill/>
+          <a:ln w="9525" cap="flat" cmpd="sng">
+            <a:solidFill>
+              <a:srgbClr val="000000"/>
+            </a:solidFill>
+            <a:prstDash val="solid"/>
+            <a:round/>
+            <a:headEnd type="none" w="sm" len="sm"/>
+            <a:tailEnd type="none" w="sm" len="sm"/>
+          </a:ln>
+        </p:spPr>
+      </p:sp>
+    </p:spTree>
+    <p:extLst>
+      <p:ext uri="{BB962C8B-B14F-4D97-AF65-F5344CB8AC3E}">
+        <p14:creationId xmlns:p14="http://schemas.microsoft.com/office/powerpoint/2010/main" val="904104145"/>
+      </p:ext>
+    </p:extLst>
+  </p:cSld>
+  <p:clrMapOvr>
+    <a:masterClrMapping/>
+  </p:clrMapOvr>
+</p:notes>
+</file>
+
+<file path=ppt/notesSlides/notesSlide2.xml><?xml version="1.0" encoding="utf-8"?>
+<p:notes xmlns:a="http://schemas.openxmlformats.org/drawingml/2006/main" xmlns:r="http://schemas.openxmlformats.org/officeDocument/2006/relationships" xmlns:p="http://schemas.openxmlformats.org/presentationml/2006/main" showMasterSp="0" showMasterPhAnim="0">
+  <p:cSld>
+    <p:spTree>
+      <p:nvGrpSpPr>
+        <p:cNvPr id="1" name="Shape 87"/>
+        <p:cNvGrpSpPr/>
+        <p:nvPr/>
+      </p:nvGrpSpPr>
+      <p:grpSpPr>
+        <a:xfrm>
+          <a:off x="0" y="0"/>
+          <a:ext cx="0" cy="0"/>
+          <a:chOff x="0" y="0"/>
+          <a:chExt cx="0" cy="0"/>
+        </a:xfrm>
+      </p:grpSpPr>
+      <p:sp>
+        <p:nvSpPr>
+          <p:cNvPr id="88" name="Google Shape;88;g7c553259d1_0_3:notes"/>
+          <p:cNvSpPr txBox="1">
+            <a:spLocks noGrp="1"/>
+          </p:cNvSpPr>
+          <p:nvPr>
+            <p:ph type="body" idx="1"/>
+          </p:nvPr>
+        </p:nvSpPr>
+        <p:spPr>
+          <a:xfrm>
+            <a:off x="685800" y="4343400"/>
+            <a:ext cx="5486400" cy="4114800"/>
+          </a:xfrm>
+          <a:prstGeom prst="rect">
+            <a:avLst/>
+          </a:prstGeom>
+          <a:noFill/>
+          <a:ln>
+            <a:noFill/>
+          </a:ln>
+        </p:spPr>
+        <p:txBody>
+          <a:bodyPr spcFirstLastPara="1" wrap="square" lIns="91425" tIns="91425" rIns="91425" bIns="91425" anchor="t" anchorCtr="0">
+            <a:noAutofit/>
+          </a:bodyPr>
+          <a:lstStyle/>
+          <a:p>
+            <a:pPr marL="0" lvl="0" indent="0" algn="l" rtl="0">
+              <a:lnSpc>
+                <a:spcPct val="100000"/>
+              </a:lnSpc>
+              <a:spcBef>
+                <a:spcPts val="0"/>
+              </a:spcBef>
+              <a:spcAft>
+                <a:spcPts val="0"/>
+              </a:spcAft>
+              <a:buSzPts val="1100"/>
+              <a:buNone/>
+            </a:pPr>
+            <a:endParaRPr/>
+          </a:p>
+        </p:txBody>
+      </p:sp>
+      <p:sp>
+        <p:nvSpPr>
+          <p:cNvPr id="89" name="Google Shape;89;g7c553259d1_0_3:notes"/>
+          <p:cNvSpPr>
+            <a:spLocks noGrp="1" noRot="1" noChangeAspect="1"/>
+          </p:cNvSpPr>
+          <p:nvPr>
+            <p:ph type="sldImg" idx="2"/>
+          </p:nvPr>
+        </p:nvSpPr>
+        <p:spPr>
+          <a:xfrm>
+            <a:off x="382588" y="685800"/>
+            <a:ext cx="6094412" cy="3429000"/>
+          </a:xfrm>
+          <a:custGeom>
+            <a:avLst/>
+            <a:gdLst/>
+            <a:ahLst/>
+            <a:cxnLst/>
+            <a:rect l="l" t="t" r="r" b="b"/>
+            <a:pathLst>
+              <a:path w="120000" h="120000" extrusionOk="0">
+                <a:moveTo>
+                  <a:pt x="0" y="0"/>
+                </a:moveTo>
+                <a:lnTo>
+                  <a:pt x="120000" y="0"/>
+                </a:lnTo>
+                <a:lnTo>
+                  <a:pt x="120000" y="120000"/>
+                </a:lnTo>
+                <a:lnTo>
+                  <a:pt x="0" y="120000"/>
+                </a:lnTo>
+                <a:close/>
+              </a:path>
+            </a:pathLst>
+          </a:custGeom>
+          <a:noFill/>
+          <a:ln w="9525" cap="flat" cmpd="sng">
+            <a:solidFill>
+              <a:srgbClr val="000000"/>
+            </a:solidFill>
+            <a:prstDash val="solid"/>
+            <a:round/>
+            <a:headEnd type="none" w="sm" len="sm"/>
+            <a:tailEnd type="none" w="sm" len="sm"/>
+          </a:ln>
+        </p:spPr>
+      </p:sp>
+    </p:spTree>
+    <p:extLst>
+      <p:ext uri="{BB962C8B-B14F-4D97-AF65-F5344CB8AC3E}">
+        <p14:creationId xmlns:p14="http://schemas.microsoft.com/office/powerpoint/2010/main" val="904104145"/>
+      </p:ext>
+    </p:extLst>
+  </p:cSld>
+  <p:clrMapOvr>
+    <a:masterClrMapping/>
+  </p:clrMapOvr>
+</p:notes>
+</file>
+
 <file path=ppt/slideLayouts/slideLayout1.xml><?xml version="1.0" encoding="utf-8"?>
 <p:sldLayout xmlns:a="http://schemas.openxmlformats.org/drawingml/2006/main" xmlns:r="http://schemas.openxmlformats.org/officeDocument/2006/relationships" xmlns:p="http://schemas.openxmlformats.org/presentationml/2006/main" type="title" preserve="1">
   <p:cSld name="제목 슬라이드">
@@ -610,7 +866,7 @@
             <a:fld id="{272C3D53-FEDF-49EC-8F65-FFFC138B637E}" type="datetimeFigureOut">
               <a:rPr lang="ko-KR" altLang="en-US" smtClean="0"/>
               <a:pPr/>
-              <a:t>2020-03-28</a:t>
+              <a:t>2020-04-27</a:t>
             </a:fld>
             <a:endParaRPr lang="ko-KR" altLang="en-US"/>
           </a:p>
@@ -782,7 +1038,7 @@
             <a:fld id="{272C3D53-FEDF-49EC-8F65-FFFC138B637E}" type="datetimeFigureOut">
               <a:rPr lang="ko-KR" altLang="en-US" smtClean="0"/>
               <a:pPr/>
-              <a:t>2020-03-28</a:t>
+              <a:t>2020-04-27</a:t>
             </a:fld>
             <a:endParaRPr lang="ko-KR" altLang="en-US"/>
           </a:p>
@@ -964,7 +1220,7 @@
             <a:fld id="{272C3D53-FEDF-49EC-8F65-FFFC138B637E}" type="datetimeFigureOut">
               <a:rPr lang="ko-KR" altLang="en-US" smtClean="0"/>
               <a:pPr/>
-              <a:t>2020-03-28</a:t>
+              <a:t>2020-04-27</a:t>
             </a:fld>
             <a:endParaRPr lang="ko-KR" altLang="en-US"/>
           </a:p>
@@ -1136,7 +1392,7 @@
             <a:fld id="{272C3D53-FEDF-49EC-8F65-FFFC138B637E}" type="datetimeFigureOut">
               <a:rPr lang="ko-KR" altLang="en-US" smtClean="0"/>
               <a:pPr/>
-              <a:t>2020-03-28</a:t>
+              <a:t>2020-04-27</a:t>
             </a:fld>
             <a:endParaRPr lang="ko-KR" altLang="en-US"/>
           </a:p>
@@ -1384,7 +1640,7 @@
             <a:fld id="{272C3D53-FEDF-49EC-8F65-FFFC138B637E}" type="datetimeFigureOut">
               <a:rPr lang="ko-KR" altLang="en-US" smtClean="0"/>
               <a:pPr/>
-              <a:t>2020-03-28</a:t>
+              <a:t>2020-04-27</a:t>
             </a:fld>
             <a:endParaRPr lang="ko-KR" altLang="en-US"/>
           </a:p>
@@ -1618,7 +1874,7 @@
             <a:fld id="{272C3D53-FEDF-49EC-8F65-FFFC138B637E}" type="datetimeFigureOut">
               <a:rPr lang="ko-KR" altLang="en-US" smtClean="0"/>
               <a:pPr/>
-              <a:t>2020-03-28</a:t>
+              <a:t>2020-04-27</a:t>
             </a:fld>
             <a:endParaRPr lang="ko-KR" altLang="en-US"/>
           </a:p>
@@ -1987,7 +2243,7 @@
             <a:fld id="{272C3D53-FEDF-49EC-8F65-FFFC138B637E}" type="datetimeFigureOut">
               <a:rPr lang="ko-KR" altLang="en-US" smtClean="0"/>
               <a:pPr/>
-              <a:t>2020-03-28</a:t>
+              <a:t>2020-04-27</a:t>
             </a:fld>
             <a:endParaRPr lang="ko-KR" altLang="en-US"/>
           </a:p>
@@ -2107,7 +2363,7 @@
             <a:fld id="{272C3D53-FEDF-49EC-8F65-FFFC138B637E}" type="datetimeFigureOut">
               <a:rPr lang="ko-KR" altLang="en-US" smtClean="0"/>
               <a:pPr/>
-              <a:t>2020-03-28</a:t>
+              <a:t>2020-04-27</a:t>
             </a:fld>
             <a:endParaRPr lang="ko-KR" altLang="en-US"/>
           </a:p>
@@ -2204,7 +2460,7 @@
             <a:fld id="{272C3D53-FEDF-49EC-8F65-FFFC138B637E}" type="datetimeFigureOut">
               <a:rPr lang="ko-KR" altLang="en-US" smtClean="0"/>
               <a:pPr/>
-              <a:t>2020-03-28</a:t>
+              <a:t>2020-04-27</a:t>
             </a:fld>
             <a:endParaRPr lang="ko-KR" altLang="en-US"/>
           </a:p>
@@ -2483,7 +2739,7 @@
             <a:fld id="{272C3D53-FEDF-49EC-8F65-FFFC138B637E}" type="datetimeFigureOut">
               <a:rPr lang="ko-KR" altLang="en-US" smtClean="0"/>
               <a:pPr/>
-              <a:t>2020-03-28</a:t>
+              <a:t>2020-04-27</a:t>
             </a:fld>
             <a:endParaRPr lang="ko-KR" altLang="en-US"/>
           </a:p>
@@ -2738,7 +2994,7 @@
             <a:fld id="{272C3D53-FEDF-49EC-8F65-FFFC138B637E}" type="datetimeFigureOut">
               <a:rPr lang="ko-KR" altLang="en-US" smtClean="0"/>
               <a:pPr/>
-              <a:t>2020-03-28</a:t>
+              <a:t>2020-04-27</a:t>
             </a:fld>
             <a:endParaRPr lang="ko-KR" altLang="en-US"/>
           </a:p>
@@ -2953,7 +3209,7 @@
             <a:fld id="{272C3D53-FEDF-49EC-8F65-FFFC138B637E}" type="datetimeFigureOut">
               <a:rPr lang="ko-KR" altLang="en-US" smtClean="0"/>
               <a:pPr/>
-              <a:t>2020-03-28</a:t>
+              <a:t>2020-04-27</a:t>
             </a:fld>
             <a:endParaRPr lang="ko-KR" altLang="en-US"/>
           </a:p>
@@ -3444,6 +3700,898 @@
 </p:sld>
 </file>
 
+<file path=ppt/slides/slide2.xml><?xml version="1.0" encoding="utf-8"?>
+<p:sld xmlns:a="http://schemas.openxmlformats.org/drawingml/2006/main" xmlns:r="http://schemas.openxmlformats.org/officeDocument/2006/relationships" xmlns:p="http://schemas.openxmlformats.org/presentationml/2006/main">
+  <p:cSld>
+    <p:spTree>
+      <p:nvGrpSpPr>
+        <p:cNvPr id="1" name="Shape 90"/>
+        <p:cNvGrpSpPr/>
+        <p:nvPr/>
+      </p:nvGrpSpPr>
+      <p:grpSpPr>
+        <a:xfrm>
+          <a:off x="0" y="0"/>
+          <a:ext cx="0" cy="0"/>
+          <a:chOff x="0" y="0"/>
+          <a:chExt cx="0" cy="0"/>
+        </a:xfrm>
+      </p:grpSpPr>
+      <p:sp>
+        <p:nvSpPr>
+          <p:cNvPr id="62" name="TextBox 61"/>
+          <p:cNvSpPr txBox="1"/>
+          <p:nvPr/>
+        </p:nvSpPr>
+        <p:spPr>
+          <a:xfrm>
+            <a:off x="470648" y="195307"/>
+            <a:ext cx="10796066" cy="477054"/>
+          </a:xfrm>
+          <a:prstGeom prst="rect">
+            <a:avLst/>
+          </a:prstGeom>
+          <a:noFill/>
+        </p:spPr>
+        <p:txBody>
+          <a:bodyPr wrap="square" rtlCol="0">
+            <a:spAutoFit/>
+          </a:bodyPr>
+          <a:lstStyle/>
+          <a:p>
+            <a:pPr lvl="0" algn="ctr">
+              <a:buClr>
+                <a:srgbClr val="000000"/>
+              </a:buClr>
+              <a:buSzPts val="1500"/>
+              <a:defRPr/>
+            </a:pPr>
+            <a:r>
+              <a:rPr lang="en-US" altLang="ko-KR" sz="2500" b="1" dirty="0">
+                <a:solidFill>
+                  <a:schemeClr val="bg1"/>
+                </a:solidFill>
+                <a:latin typeface="+mj-lt"/>
+              </a:rPr>
+              <a:t>[</a:t>
+            </a:r>
+            <a:r>
+              <a:rPr lang="ko-KR" altLang="en-US" sz="2500" b="1" dirty="0">
+                <a:solidFill>
+                  <a:schemeClr val="bg1"/>
+                </a:solidFill>
+                <a:latin typeface="+mj-lt"/>
+              </a:rPr>
+              <a:t>화면 구현</a:t>
+            </a:r>
+            <a:r>
+              <a:rPr lang="en-US" altLang="ko-KR" sz="2500" b="1" dirty="0">
+                <a:solidFill>
+                  <a:schemeClr val="bg1"/>
+                </a:solidFill>
+                <a:latin typeface="+mj-lt"/>
+              </a:rPr>
+              <a:t>] </a:t>
+            </a:r>
+            <a:r>
+              <a:rPr lang="ko-KR" altLang="en-US" sz="2500" b="1" dirty="0">
+                <a:solidFill>
+                  <a:schemeClr val="bg1"/>
+                </a:solidFill>
+                <a:latin typeface="+mj-lt"/>
+              </a:rPr>
+              <a:t>사용자 </a:t>
+            </a:r>
+            <a:r>
+              <a:rPr lang="en-US" altLang="ko-KR" sz="2500" b="1" dirty="0">
+                <a:solidFill>
+                  <a:schemeClr val="bg1"/>
+                </a:solidFill>
+                <a:latin typeface="+mj-lt"/>
+              </a:rPr>
+              <a:t>– </a:t>
+            </a:r>
+            <a:r>
+              <a:rPr lang="ko-KR" altLang="en-US" sz="2500" b="1" dirty="0">
+                <a:solidFill>
+                  <a:schemeClr val="bg1"/>
+                </a:solidFill>
+                <a:latin typeface="+mj-lt"/>
+              </a:rPr>
+              <a:t>웹</a:t>
+            </a:r>
+            <a:r>
+              <a:rPr lang="en-US" altLang="ko-KR" sz="2500" b="1" dirty="0">
+                <a:solidFill>
+                  <a:schemeClr val="bg1"/>
+                </a:solidFill>
+                <a:latin typeface="+mj-lt"/>
+              </a:rPr>
+              <a:t> – </a:t>
+            </a:r>
+            <a:r>
+              <a:rPr lang="ko-KR" altLang="en-US" sz="2500" b="1" dirty="0">
+                <a:solidFill>
+                  <a:schemeClr val="bg1"/>
+                </a:solidFill>
+                <a:latin typeface="+mj-lt"/>
+              </a:rPr>
+              <a:t>세미나등록 </a:t>
+            </a:r>
+            <a:r>
+              <a:rPr lang="en-US" altLang="ko-KR" sz="2500" b="1" dirty="0">
+                <a:solidFill>
+                  <a:schemeClr val="bg1"/>
+                </a:solidFill>
+                <a:latin typeface="+mj-lt"/>
+              </a:rPr>
+              <a:t>– </a:t>
+            </a:r>
+            <a:r>
+              <a:rPr lang="ko-KR" altLang="en-US" sz="2500" b="1" dirty="0">
+                <a:solidFill>
+                  <a:schemeClr val="bg1"/>
+                </a:solidFill>
+                <a:latin typeface="+mj-lt"/>
+              </a:rPr>
+              <a:t>등록 </a:t>
+            </a:r>
+            <a:r>
+              <a:rPr lang="ko-KR" altLang="en-US" sz="2500" b="1" dirty="0" smtClean="0">
+                <a:solidFill>
+                  <a:schemeClr val="bg1"/>
+                </a:solidFill>
+                <a:latin typeface="+mj-lt"/>
+              </a:rPr>
+              <a:t>폼</a:t>
+            </a:r>
+            <a:r>
+              <a:rPr lang="en-US" altLang="ko-KR" sz="2500" b="1" dirty="0" smtClean="0">
+                <a:solidFill>
+                  <a:schemeClr val="bg1"/>
+                </a:solidFill>
+                <a:latin typeface="+mj-lt"/>
+              </a:rPr>
+              <a:t>(</a:t>
+            </a:r>
+            <a:r>
+              <a:rPr lang="ko-KR" altLang="en-US" sz="2500" b="1" dirty="0" smtClean="0">
+                <a:solidFill>
+                  <a:schemeClr val="bg1"/>
+                </a:solidFill>
+                <a:latin typeface="+mj-lt"/>
+              </a:rPr>
+              <a:t>중복 등록 제어</a:t>
+            </a:r>
+            <a:r>
+              <a:rPr lang="en-US" altLang="ko-KR" sz="2500" b="1" dirty="0" smtClean="0">
+                <a:solidFill>
+                  <a:schemeClr val="bg1"/>
+                </a:solidFill>
+                <a:latin typeface="+mj-lt"/>
+              </a:rPr>
+              <a:t>)</a:t>
+            </a:r>
+            <a:endParaRPr lang="ko-KR" altLang="en-US" sz="2500" b="1" dirty="0">
+              <a:solidFill>
+                <a:schemeClr val="bg1"/>
+              </a:solidFill>
+              <a:latin typeface="+mj-lt"/>
+            </a:endParaRPr>
+          </a:p>
+        </p:txBody>
+      </p:sp>
+      <p:pic>
+        <p:nvPicPr>
+          <p:cNvPr id="1028" name="Picture 4" descr="C:\Users\ezen-033\Desktop\시간재설정2.PNG"/>
+          <p:cNvPicPr>
+            <a:picLocks noChangeAspect="1" noChangeArrowheads="1"/>
+          </p:cNvPicPr>
+          <p:nvPr/>
+        </p:nvPicPr>
+        <p:blipFill>
+          <a:blip r:embed="rId3">
+            <a:extLst>
+              <a:ext uri="{28A0092B-C50C-407E-A947-70E740481C1C}">
+                <a14:useLocalDpi xmlns:a14="http://schemas.microsoft.com/office/drawing/2010/main" val="0"/>
+              </a:ext>
+            </a:extLst>
+          </a:blip>
+          <a:srcRect/>
+          <a:stretch>
+            <a:fillRect/>
+          </a:stretch>
+        </p:blipFill>
+        <p:spPr bwMode="auto">
+          <a:xfrm>
+            <a:off x="470648" y="1430865"/>
+            <a:ext cx="6693889" cy="5056455"/>
+          </a:xfrm>
+          <a:prstGeom prst="rect">
+            <a:avLst/>
+          </a:prstGeom>
+          <a:noFill/>
+          <a:ln>
+            <a:solidFill>
+              <a:schemeClr val="tx1"/>
+            </a:solidFill>
+          </a:ln>
+          <a:extLst>
+            <a:ext uri="{909E8E84-426E-40DD-AFC4-6F175D3DCCD1}">
+              <a14:hiddenFill xmlns:a14="http://schemas.microsoft.com/office/drawing/2010/main">
+                <a:solidFill>
+                  <a:srgbClr val="FFFFFF"/>
+                </a:solidFill>
+              </a14:hiddenFill>
+            </a:ext>
+          </a:extLst>
+        </p:spPr>
+      </p:pic>
+      <p:sp>
+        <p:nvSpPr>
+          <p:cNvPr id="7" name="직사각형 6"/>
+          <p:cNvSpPr/>
+          <p:nvPr/>
+        </p:nvSpPr>
+        <p:spPr>
+          <a:xfrm>
+            <a:off x="804333" y="1801799"/>
+            <a:ext cx="1828800" cy="184666"/>
+          </a:xfrm>
+          <a:prstGeom prst="rect">
+            <a:avLst/>
+          </a:prstGeom>
+          <a:noFill/>
+          <a:ln>
+            <a:solidFill>
+              <a:srgbClr val="FF0000"/>
+            </a:solidFill>
+          </a:ln>
+        </p:spPr>
+        <p:style>
+          <a:lnRef idx="2">
+            <a:schemeClr val="accent1">
+              <a:shade val="50000"/>
+            </a:schemeClr>
+          </a:lnRef>
+          <a:fillRef idx="1">
+            <a:schemeClr val="accent1"/>
+          </a:fillRef>
+          <a:effectRef idx="0">
+            <a:schemeClr val="accent1"/>
+          </a:effectRef>
+          <a:fontRef idx="minor">
+            <a:schemeClr val="lt1"/>
+          </a:fontRef>
+        </p:style>
+        <p:txBody>
+          <a:bodyPr rtlCol="0" anchor="ctr"/>
+          <a:lstStyle/>
+          <a:p>
+            <a:pPr algn="ctr"/>
+            <a:endParaRPr lang="ko-KR" altLang="en-US"/>
+          </a:p>
+        </p:txBody>
+      </p:sp>
+      <p:sp>
+        <p:nvSpPr>
+          <p:cNvPr id="8" name="TextBox 7"/>
+          <p:cNvSpPr txBox="1"/>
+          <p:nvPr/>
+        </p:nvSpPr>
+        <p:spPr>
+          <a:xfrm>
+            <a:off x="7467600" y="1634067"/>
+            <a:ext cx="4123267" cy="4524315"/>
+          </a:xfrm>
+          <a:prstGeom prst="rect">
+            <a:avLst/>
+          </a:prstGeom>
+          <a:noFill/>
+        </p:spPr>
+        <p:txBody>
+          <a:bodyPr wrap="square" rtlCol="0">
+            <a:spAutoFit/>
+          </a:bodyPr>
+          <a:lstStyle/>
+          <a:p>
+            <a:r>
+              <a:rPr lang="ko-KR" altLang="en-US" dirty="0" smtClean="0"/>
+              <a:t>기존 </a:t>
+            </a:r>
+            <a:r>
+              <a:rPr lang="en-US" altLang="ko-KR" dirty="0" smtClean="0"/>
+              <a:t>submit </a:t>
+            </a:r>
+            <a:r>
+              <a:rPr lang="ko-KR" altLang="en-US" dirty="0" smtClean="0"/>
+              <a:t>버튼의 이벤트 전파를 </a:t>
+            </a:r>
+            <a:r>
+              <a:rPr lang="en-US" altLang="ko-KR" dirty="0" err="1" smtClean="0"/>
+              <a:t>event.preventDefault</a:t>
+            </a:r>
+            <a:r>
+              <a:rPr lang="en-US" altLang="ko-KR" dirty="0" smtClean="0"/>
+              <a:t>()</a:t>
+            </a:r>
+            <a:r>
+              <a:rPr lang="ko-KR" altLang="en-US" dirty="0" err="1" smtClean="0"/>
+              <a:t>메소드를</a:t>
+            </a:r>
+            <a:r>
+              <a:rPr lang="ko-KR" altLang="en-US" dirty="0" smtClean="0"/>
+              <a:t> 통해 막고</a:t>
+            </a:r>
+            <a:r>
+              <a:rPr lang="en-US" altLang="ko-KR" dirty="0" smtClean="0"/>
+              <a:t>,</a:t>
+            </a:r>
+          </a:p>
+          <a:p>
+            <a:endParaRPr lang="en-US" altLang="ko-KR" dirty="0"/>
+          </a:p>
+          <a:p>
+            <a:r>
+              <a:rPr lang="ko-KR" altLang="en-US" dirty="0" smtClean="0"/>
+              <a:t>등록 직전에 예약된 시간정보를 한번 더 받아온다</a:t>
+            </a:r>
+            <a:r>
+              <a:rPr lang="en-US" altLang="ko-KR" dirty="0" smtClean="0"/>
+              <a:t>.(*</a:t>
+            </a:r>
+            <a:r>
+              <a:rPr lang="ko-KR" altLang="en-US" dirty="0" smtClean="0"/>
+              <a:t>변수 </a:t>
+            </a:r>
+            <a:r>
+              <a:rPr lang="en-US" altLang="ko-KR" dirty="0" err="1" smtClean="0"/>
+              <a:t>unableTime</a:t>
+            </a:r>
+            <a:r>
+              <a:rPr lang="ko-KR" altLang="en-US" dirty="0" smtClean="0"/>
+              <a:t>에 기존 예약된 시간들이 저장되어 있다</a:t>
+            </a:r>
+            <a:r>
+              <a:rPr lang="en-US" altLang="ko-KR" dirty="0" smtClean="0"/>
+              <a:t>.)</a:t>
+            </a:r>
+          </a:p>
+          <a:p>
+            <a:endParaRPr lang="en-US" altLang="ko-KR" dirty="0"/>
+          </a:p>
+          <a:p>
+            <a:r>
+              <a:rPr lang="ko-KR" altLang="en-US" dirty="0" smtClean="0"/>
+              <a:t>이전 정보의 예약 개수 </a:t>
+            </a:r>
+            <a:r>
+              <a:rPr lang="en-US" altLang="ko-KR" dirty="0" smtClean="0"/>
+              <a:t>(</a:t>
+            </a:r>
+            <a:r>
+              <a:rPr lang="en-US" altLang="ko-KR" dirty="0" err="1" smtClean="0"/>
+              <a:t>unableTime.length</a:t>
+            </a:r>
+            <a:r>
+              <a:rPr lang="en-US" altLang="ko-KR" dirty="0" smtClean="0"/>
+              <a:t>)</a:t>
+            </a:r>
+            <a:r>
+              <a:rPr lang="ko-KR" altLang="en-US" dirty="0" smtClean="0"/>
+              <a:t>와 새로 받아온 예약 개수 </a:t>
+            </a:r>
+            <a:r>
+              <a:rPr lang="en-US" altLang="ko-KR" dirty="0" smtClean="0"/>
+              <a:t>(unableTime2.length)</a:t>
+            </a:r>
+            <a:r>
+              <a:rPr lang="ko-KR" altLang="en-US" dirty="0" smtClean="0"/>
+              <a:t>가 다르다면</a:t>
+            </a:r>
+            <a:r>
+              <a:rPr lang="en-US" altLang="ko-KR" dirty="0" smtClean="0"/>
+              <a:t>, </a:t>
+            </a:r>
+            <a:r>
+              <a:rPr lang="ko-KR" altLang="en-US" dirty="0" smtClean="0"/>
+              <a:t>중간에 새로운 예약이 생겼다는 뜻이므로</a:t>
+            </a:r>
+            <a:r>
+              <a:rPr lang="en-US" altLang="ko-KR" dirty="0" smtClean="0"/>
+              <a:t>, </a:t>
+            </a:r>
+            <a:r>
+              <a:rPr lang="ko-KR" altLang="en-US" dirty="0" err="1" smtClean="0"/>
+              <a:t>조건문을</a:t>
+            </a:r>
+            <a:r>
+              <a:rPr lang="ko-KR" altLang="en-US" dirty="0" smtClean="0"/>
+              <a:t> 통해 해당 배열들의 길이가 같으면 </a:t>
+            </a:r>
+            <a:r>
+              <a:rPr lang="en-US" altLang="ko-KR" dirty="0" smtClean="0"/>
+              <a:t>submit()</a:t>
+            </a:r>
+            <a:r>
+              <a:rPr lang="ko-KR" altLang="en-US" dirty="0" smtClean="0"/>
+              <a:t>을 실행</a:t>
+            </a:r>
+            <a:r>
+              <a:rPr lang="en-US" altLang="ko-KR" dirty="0" smtClean="0"/>
+              <a:t>, </a:t>
+            </a:r>
+            <a:r>
+              <a:rPr lang="ko-KR" altLang="en-US" dirty="0" smtClean="0"/>
+              <a:t>그렇지 않으면 시간정보가 변경되었음을 알림을 통해 알린다</a:t>
+            </a:r>
+            <a:r>
+              <a:rPr lang="en-US" altLang="ko-KR" dirty="0" smtClean="0"/>
+              <a:t>.</a:t>
+            </a:r>
+            <a:endParaRPr lang="ko-KR" altLang="en-US" dirty="0"/>
+          </a:p>
+        </p:txBody>
+      </p:sp>
+      <p:sp>
+        <p:nvSpPr>
+          <p:cNvPr id="9" name="직사각형 8"/>
+          <p:cNvSpPr/>
+          <p:nvPr/>
+        </p:nvSpPr>
+        <p:spPr>
+          <a:xfrm>
+            <a:off x="1134533" y="4673600"/>
+            <a:ext cx="4734148" cy="1049867"/>
+          </a:xfrm>
+          <a:prstGeom prst="rect">
+            <a:avLst/>
+          </a:prstGeom>
+          <a:noFill/>
+          <a:ln>
+            <a:solidFill>
+              <a:srgbClr val="FF0000"/>
+            </a:solidFill>
+          </a:ln>
+        </p:spPr>
+        <p:style>
+          <a:lnRef idx="2">
+            <a:schemeClr val="accent1">
+              <a:shade val="50000"/>
+            </a:schemeClr>
+          </a:lnRef>
+          <a:fillRef idx="1">
+            <a:schemeClr val="accent1"/>
+          </a:fillRef>
+          <a:effectRef idx="0">
+            <a:schemeClr val="accent1"/>
+          </a:effectRef>
+          <a:fontRef idx="minor">
+            <a:schemeClr val="lt1"/>
+          </a:fontRef>
+        </p:style>
+        <p:txBody>
+          <a:bodyPr rtlCol="0" anchor="ctr"/>
+          <a:lstStyle/>
+          <a:p>
+            <a:pPr algn="ctr"/>
+            <a:endParaRPr lang="ko-KR" altLang="en-US"/>
+          </a:p>
+        </p:txBody>
+      </p:sp>
+    </p:spTree>
+    <p:extLst>
+      <p:ext uri="{BB962C8B-B14F-4D97-AF65-F5344CB8AC3E}">
+        <p14:creationId xmlns:p14="http://schemas.microsoft.com/office/powerpoint/2010/main" val="3209133675"/>
+      </p:ext>
+    </p:extLst>
+  </p:cSld>
+  <p:clrMapOvr>
+    <a:masterClrMapping/>
+  </p:clrMapOvr>
+</p:sld>
+</file>
+
+<file path=ppt/slides/slide3.xml><?xml version="1.0" encoding="utf-8"?>
+<p:sld xmlns:a="http://schemas.openxmlformats.org/drawingml/2006/main" xmlns:r="http://schemas.openxmlformats.org/officeDocument/2006/relationships" xmlns:p="http://schemas.openxmlformats.org/presentationml/2006/main">
+  <p:cSld>
+    <p:spTree>
+      <p:nvGrpSpPr>
+        <p:cNvPr id="1" name="Shape 90"/>
+        <p:cNvGrpSpPr/>
+        <p:nvPr/>
+      </p:nvGrpSpPr>
+      <p:grpSpPr>
+        <a:xfrm>
+          <a:off x="0" y="0"/>
+          <a:ext cx="0" cy="0"/>
+          <a:chOff x="0" y="0"/>
+          <a:chExt cx="0" cy="0"/>
+        </a:xfrm>
+      </p:grpSpPr>
+      <p:sp>
+        <p:nvSpPr>
+          <p:cNvPr id="62" name="TextBox 61"/>
+          <p:cNvSpPr txBox="1"/>
+          <p:nvPr/>
+        </p:nvSpPr>
+        <p:spPr>
+          <a:xfrm>
+            <a:off x="470648" y="195307"/>
+            <a:ext cx="10796066" cy="477054"/>
+          </a:xfrm>
+          <a:prstGeom prst="rect">
+            <a:avLst/>
+          </a:prstGeom>
+          <a:noFill/>
+        </p:spPr>
+        <p:txBody>
+          <a:bodyPr wrap="square" rtlCol="0">
+            <a:spAutoFit/>
+          </a:bodyPr>
+          <a:lstStyle/>
+          <a:p>
+            <a:pPr lvl="0" algn="ctr">
+              <a:buClr>
+                <a:srgbClr val="000000"/>
+              </a:buClr>
+              <a:buSzPts val="1500"/>
+              <a:defRPr/>
+            </a:pPr>
+            <a:r>
+              <a:rPr lang="en-US" altLang="ko-KR" sz="2500" b="1" dirty="0">
+                <a:solidFill>
+                  <a:schemeClr val="bg1"/>
+                </a:solidFill>
+                <a:latin typeface="+mj-lt"/>
+              </a:rPr>
+              <a:t>[</a:t>
+            </a:r>
+            <a:r>
+              <a:rPr lang="ko-KR" altLang="en-US" sz="2500" b="1" dirty="0">
+                <a:solidFill>
+                  <a:schemeClr val="bg1"/>
+                </a:solidFill>
+                <a:latin typeface="+mj-lt"/>
+              </a:rPr>
+              <a:t>화면 구현</a:t>
+            </a:r>
+            <a:r>
+              <a:rPr lang="en-US" altLang="ko-KR" sz="2500" b="1" dirty="0">
+                <a:solidFill>
+                  <a:schemeClr val="bg1"/>
+                </a:solidFill>
+                <a:latin typeface="+mj-lt"/>
+              </a:rPr>
+              <a:t>] </a:t>
+            </a:r>
+            <a:r>
+              <a:rPr lang="ko-KR" altLang="en-US" sz="2500" b="1" dirty="0">
+                <a:solidFill>
+                  <a:schemeClr val="bg1"/>
+                </a:solidFill>
+                <a:latin typeface="+mj-lt"/>
+              </a:rPr>
+              <a:t>사용자 </a:t>
+            </a:r>
+            <a:r>
+              <a:rPr lang="en-US" altLang="ko-KR" sz="2500" b="1" dirty="0">
+                <a:solidFill>
+                  <a:schemeClr val="bg1"/>
+                </a:solidFill>
+                <a:latin typeface="+mj-lt"/>
+              </a:rPr>
+              <a:t>– </a:t>
+            </a:r>
+            <a:r>
+              <a:rPr lang="ko-KR" altLang="en-US" sz="2500" b="1" dirty="0">
+                <a:solidFill>
+                  <a:schemeClr val="bg1"/>
+                </a:solidFill>
+                <a:latin typeface="+mj-lt"/>
+              </a:rPr>
+              <a:t>웹</a:t>
+            </a:r>
+            <a:r>
+              <a:rPr lang="en-US" altLang="ko-KR" sz="2500" b="1" dirty="0">
+                <a:solidFill>
+                  <a:schemeClr val="bg1"/>
+                </a:solidFill>
+                <a:latin typeface="+mj-lt"/>
+              </a:rPr>
+              <a:t> – </a:t>
+            </a:r>
+            <a:r>
+              <a:rPr lang="ko-KR" altLang="en-US" sz="2500" b="1" dirty="0">
+                <a:solidFill>
+                  <a:schemeClr val="bg1"/>
+                </a:solidFill>
+                <a:latin typeface="+mj-lt"/>
+              </a:rPr>
+              <a:t>세미나등록 </a:t>
+            </a:r>
+            <a:r>
+              <a:rPr lang="en-US" altLang="ko-KR" sz="2500" b="1" dirty="0">
+                <a:solidFill>
+                  <a:schemeClr val="bg1"/>
+                </a:solidFill>
+                <a:latin typeface="+mj-lt"/>
+              </a:rPr>
+              <a:t>– </a:t>
+            </a:r>
+            <a:r>
+              <a:rPr lang="ko-KR" altLang="en-US" sz="2500" b="1" dirty="0">
+                <a:solidFill>
+                  <a:schemeClr val="bg1"/>
+                </a:solidFill>
+                <a:latin typeface="+mj-lt"/>
+              </a:rPr>
+              <a:t>등록 </a:t>
+            </a:r>
+            <a:r>
+              <a:rPr lang="ko-KR" altLang="en-US" sz="2500" b="1" dirty="0" smtClean="0">
+                <a:solidFill>
+                  <a:schemeClr val="bg1"/>
+                </a:solidFill>
+                <a:latin typeface="+mj-lt"/>
+              </a:rPr>
+              <a:t>폼</a:t>
+            </a:r>
+            <a:r>
+              <a:rPr lang="en-US" altLang="ko-KR" sz="2500" b="1" dirty="0" smtClean="0">
+                <a:solidFill>
+                  <a:schemeClr val="bg1"/>
+                </a:solidFill>
+                <a:latin typeface="+mj-lt"/>
+              </a:rPr>
+              <a:t>(</a:t>
+            </a:r>
+            <a:r>
+              <a:rPr lang="ko-KR" altLang="en-US" sz="2500" b="1" dirty="0" smtClean="0">
+                <a:solidFill>
+                  <a:schemeClr val="bg1"/>
+                </a:solidFill>
+                <a:latin typeface="+mj-lt"/>
+              </a:rPr>
+              <a:t>중복 등록 제어</a:t>
+            </a:r>
+            <a:r>
+              <a:rPr lang="en-US" altLang="ko-KR" sz="2500" b="1" dirty="0" smtClean="0">
+                <a:solidFill>
+                  <a:schemeClr val="bg1"/>
+                </a:solidFill>
+                <a:latin typeface="+mj-lt"/>
+              </a:rPr>
+              <a:t>)</a:t>
+            </a:r>
+            <a:endParaRPr lang="ko-KR" altLang="en-US" sz="2500" b="1" dirty="0">
+              <a:solidFill>
+                <a:schemeClr val="bg1"/>
+              </a:solidFill>
+              <a:latin typeface="+mj-lt"/>
+            </a:endParaRPr>
+          </a:p>
+        </p:txBody>
+      </p:sp>
+      <p:sp>
+        <p:nvSpPr>
+          <p:cNvPr id="8" name="TextBox 7"/>
+          <p:cNvSpPr txBox="1"/>
+          <p:nvPr/>
+        </p:nvSpPr>
+        <p:spPr>
+          <a:xfrm>
+            <a:off x="7467600" y="1634067"/>
+            <a:ext cx="4123267" cy="4524315"/>
+          </a:xfrm>
+          <a:prstGeom prst="rect">
+            <a:avLst/>
+          </a:prstGeom>
+          <a:noFill/>
+        </p:spPr>
+        <p:txBody>
+          <a:bodyPr wrap="square" rtlCol="0">
+            <a:spAutoFit/>
+          </a:bodyPr>
+          <a:lstStyle/>
+          <a:p>
+            <a:r>
+              <a:rPr lang="ko-KR" altLang="en-US" dirty="0"/>
+              <a:t>기존 </a:t>
+            </a:r>
+            <a:r>
+              <a:rPr lang="en-US" altLang="ko-KR" dirty="0"/>
+              <a:t>submit </a:t>
+            </a:r>
+            <a:r>
+              <a:rPr lang="ko-KR" altLang="en-US" dirty="0"/>
+              <a:t>버튼의 이벤트 전파를 </a:t>
+            </a:r>
+            <a:r>
+              <a:rPr lang="en-US" altLang="ko-KR" dirty="0" err="1"/>
+              <a:t>event.preventDefault</a:t>
+            </a:r>
+            <a:r>
+              <a:rPr lang="en-US" altLang="ko-KR" dirty="0"/>
+              <a:t>()</a:t>
+            </a:r>
+            <a:r>
+              <a:rPr lang="ko-KR" altLang="en-US" dirty="0" err="1"/>
+              <a:t>메소드를</a:t>
+            </a:r>
+            <a:r>
+              <a:rPr lang="ko-KR" altLang="en-US" dirty="0"/>
+              <a:t> 통해 막고</a:t>
+            </a:r>
+            <a:r>
+              <a:rPr lang="en-US" altLang="ko-KR" dirty="0"/>
+              <a:t>,</a:t>
+            </a:r>
+          </a:p>
+          <a:p>
+            <a:endParaRPr lang="en-US" altLang="ko-KR" dirty="0"/>
+          </a:p>
+          <a:p>
+            <a:r>
+              <a:rPr lang="ko-KR" altLang="en-US" dirty="0"/>
+              <a:t>등록 직전에 예약된 시간정보를 한번 더 받아온다</a:t>
+            </a:r>
+            <a:r>
+              <a:rPr lang="en-US" altLang="ko-KR" dirty="0"/>
+              <a:t>.(*</a:t>
+            </a:r>
+            <a:r>
+              <a:rPr lang="ko-KR" altLang="en-US" dirty="0"/>
+              <a:t>변수 </a:t>
+            </a:r>
+            <a:r>
+              <a:rPr lang="en-US" altLang="ko-KR" dirty="0" err="1"/>
+              <a:t>unableTime</a:t>
+            </a:r>
+            <a:r>
+              <a:rPr lang="ko-KR" altLang="en-US" dirty="0"/>
+              <a:t>에 기존 예약된 시간들이 저장되어 있다</a:t>
+            </a:r>
+            <a:r>
+              <a:rPr lang="en-US" altLang="ko-KR" dirty="0"/>
+              <a:t>.)</a:t>
+            </a:r>
+          </a:p>
+          <a:p>
+            <a:endParaRPr lang="en-US" altLang="ko-KR" dirty="0"/>
+          </a:p>
+          <a:p>
+            <a:r>
+              <a:rPr lang="ko-KR" altLang="en-US" dirty="0"/>
+              <a:t>이전 정보의 예약 개수 </a:t>
+            </a:r>
+            <a:r>
+              <a:rPr lang="en-US" altLang="ko-KR" dirty="0"/>
+              <a:t>(</a:t>
+            </a:r>
+            <a:r>
+              <a:rPr lang="en-US" altLang="ko-KR" dirty="0" err="1"/>
+              <a:t>unableTime.length</a:t>
+            </a:r>
+            <a:r>
+              <a:rPr lang="en-US" altLang="ko-KR" dirty="0"/>
+              <a:t>)</a:t>
+            </a:r>
+            <a:r>
+              <a:rPr lang="ko-KR" altLang="en-US" dirty="0"/>
+              <a:t>와 새로 받아온 예약 개수 </a:t>
+            </a:r>
+            <a:r>
+              <a:rPr lang="en-US" altLang="ko-KR" dirty="0"/>
+              <a:t>(unableTime2.length)</a:t>
+            </a:r>
+            <a:r>
+              <a:rPr lang="ko-KR" altLang="en-US" dirty="0"/>
+              <a:t>가 다르다면</a:t>
+            </a:r>
+            <a:r>
+              <a:rPr lang="en-US" altLang="ko-KR" dirty="0"/>
+              <a:t>, </a:t>
+            </a:r>
+            <a:r>
+              <a:rPr lang="ko-KR" altLang="en-US" dirty="0"/>
+              <a:t>중간에 새로운 예약이 생겼다는 뜻이므로</a:t>
+            </a:r>
+            <a:r>
+              <a:rPr lang="en-US" altLang="ko-KR" dirty="0"/>
+              <a:t>, </a:t>
+            </a:r>
+            <a:r>
+              <a:rPr lang="ko-KR" altLang="en-US" dirty="0" err="1"/>
+              <a:t>조건문을</a:t>
+            </a:r>
+            <a:r>
+              <a:rPr lang="ko-KR" altLang="en-US" dirty="0"/>
+              <a:t> 통해 해당 배열들의 길이가 같으면 </a:t>
+            </a:r>
+            <a:r>
+              <a:rPr lang="en-US" altLang="ko-KR" dirty="0"/>
+              <a:t>submit()</a:t>
+            </a:r>
+            <a:r>
+              <a:rPr lang="ko-KR" altLang="en-US" dirty="0"/>
+              <a:t>을 실행</a:t>
+            </a:r>
+            <a:r>
+              <a:rPr lang="en-US" altLang="ko-KR" dirty="0"/>
+              <a:t>, </a:t>
+            </a:r>
+            <a:r>
+              <a:rPr lang="ko-KR" altLang="en-US" dirty="0"/>
+              <a:t>그렇지 않으면 시간정보가 변경되었음을 알림을 통해 알린다</a:t>
+            </a:r>
+            <a:r>
+              <a:rPr lang="en-US" altLang="ko-KR" dirty="0"/>
+              <a:t>.</a:t>
+            </a:r>
+            <a:endParaRPr lang="ko-KR" altLang="en-US" dirty="0"/>
+          </a:p>
+        </p:txBody>
+      </p:sp>
+      <p:pic>
+        <p:nvPicPr>
+          <p:cNvPr id="2050" name="Picture 2" descr="C:\Users\ezen-033\Desktop\시간재설정1.PNG"/>
+          <p:cNvPicPr>
+            <a:picLocks noChangeAspect="1" noChangeArrowheads="1"/>
+          </p:cNvPicPr>
+          <p:nvPr/>
+        </p:nvPicPr>
+        <p:blipFill>
+          <a:blip r:embed="rId3">
+            <a:extLst>
+              <a:ext uri="{28A0092B-C50C-407E-A947-70E740481C1C}">
+                <a14:useLocalDpi xmlns:a14="http://schemas.microsoft.com/office/drawing/2010/main" val="0"/>
+              </a:ext>
+            </a:extLst>
+          </a:blip>
+          <a:srcRect/>
+          <a:stretch>
+            <a:fillRect/>
+          </a:stretch>
+        </p:blipFill>
+        <p:spPr bwMode="auto">
+          <a:xfrm>
+            <a:off x="555356" y="1492369"/>
+            <a:ext cx="6036934" cy="5037827"/>
+          </a:xfrm>
+          <a:prstGeom prst="rect">
+            <a:avLst/>
+          </a:prstGeom>
+          <a:noFill/>
+          <a:ln>
+            <a:solidFill>
+              <a:schemeClr val="tx1"/>
+            </a:solidFill>
+          </a:ln>
+          <a:extLst>
+            <a:ext uri="{909E8E84-426E-40DD-AFC4-6F175D3DCCD1}">
+              <a14:hiddenFill xmlns:a14="http://schemas.microsoft.com/office/drawing/2010/main">
+                <a:solidFill>
+                  <a:srgbClr val="FFFFFF"/>
+                </a:solidFill>
+              </a14:hiddenFill>
+            </a:ext>
+          </a:extLst>
+        </p:spPr>
+      </p:pic>
+    </p:spTree>
+    <p:extLst>
+      <p:ext uri="{BB962C8B-B14F-4D97-AF65-F5344CB8AC3E}">
+        <p14:creationId xmlns:p14="http://schemas.microsoft.com/office/powerpoint/2010/main" val="2660014047"/>
+      </p:ext>
+    </p:extLst>
+  </p:cSld>
+  <p:clrMapOvr>
+    <a:masterClrMapping/>
+  </p:clrMapOvr>
+</p:sld>
+</file>
+
 <file path=ppt/theme/theme1.xml><?xml version="1.0" encoding="utf-8"?>
 <a:theme xmlns:a="http://schemas.openxmlformats.org/drawingml/2006/main" name="Office 테마">
   <a:themeElements>
@@ -3699,7 +4847,7 @@
   <a:extraClrSchemeLst/>
   <a:extLst>
     <a:ext uri="{05A4C25C-085E-4340-85A3-A5531E510DB2}">
-      <thm15:themeFamily xmlns:thm15="http://schemas.microsoft.com/office/thememl/2012/main" name="Office Theme" id="{62F939B6-93AF-4DB8-9C6B-D6C7DFDC589F}" vid="{4A3C46E8-61CC-4603-A589-7422A47A8E4A}"/>
+      <thm15:themeFamily xmlns:thm15="http://schemas.microsoft.com/office/thememl/2012/main" xmlns="" name="Office Theme" id="{62F939B6-93AF-4DB8-9C6B-D6C7DFDC589F}" vid="{4A3C46E8-61CC-4603-A589-7422A47A8E4A}"/>
     </a:ext>
   </a:extLst>
 </a:theme>
@@ -3960,7 +5108,7 @@
   <a:extraClrSchemeLst/>
   <a:extLst>
     <a:ext uri="{05A4C25C-085E-4340-85A3-A5531E510DB2}">
-      <thm15:themeFamily xmlns:thm15="http://schemas.microsoft.com/office/thememl/2012/main" name="Office Theme" id="{62F939B6-93AF-4DB8-9C6B-D6C7DFDC589F}" vid="{4A3C46E8-61CC-4603-A589-7422A47A8E4A}"/>
+      <thm15:themeFamily xmlns:thm15="http://schemas.microsoft.com/office/thememl/2012/main" xmlns="" name="Office Theme" id="{62F939B6-93AF-4DB8-9C6B-D6C7DFDC589F}" vid="{4A3C46E8-61CC-4603-A589-7422A47A8E4A}"/>
     </a:ext>
   </a:extLst>
 </a:theme>
